--- a/keylogger.pptx
+++ b/keylogger.pptx
@@ -4324,7 +4324,31 @@
                 <a:latin typeface="Arial"/>
                 <a:cs typeface="Arial"/>
               </a:rPr>
-              <a:t>1. Vikram R-College of Engineering Guindy-Computer Science and Engineering</a:t>
+              <a:t>1. </a:t>
+            </a:r>
+            <a:r>
+              <a:rPr lang="en-US" sz="2000" b="1">
+                <a:solidFill>
+                  <a:schemeClr val="accent1">
+                    <a:lumMod val="75000"/>
+                  </a:schemeClr>
+                </a:solidFill>
+                <a:latin typeface="Arial"/>
+                <a:cs typeface="Arial"/>
+              </a:rPr>
+              <a:t>Vikram R-2021103061-College </a:t>
+            </a:r>
+            <a:r>
+              <a:rPr lang="en-US" sz="2000" b="1" dirty="0">
+                <a:solidFill>
+                  <a:schemeClr val="accent1">
+                    <a:lumMod val="75000"/>
+                  </a:schemeClr>
+                </a:solidFill>
+                <a:latin typeface="Arial"/>
+                <a:cs typeface="Arial"/>
+              </a:rPr>
+              <a:t>of Engineering Guindy-Computer Science and Engineering</a:t>
             </a:r>
           </a:p>
         </p:txBody>
@@ -6766,6 +6790,24 @@
 </file>
 
 <file path=customXml/item1.xml><?xml version="1.0" encoding="utf-8"?>
+<p:properties xmlns:p="http://schemas.microsoft.com/office/2006/metadata/properties" xmlns:xsi="http://www.w3.org/2001/XMLSchema-instance" xmlns:pc="http://schemas.microsoft.com/office/infopath/2007/PartnerControls">
+  <documentManagement>
+    <MediaServiceKeyPoints xmlns="9162bd5b-4ed9-4da3-b376-05204580ba3f" xsi:nil="true"/>
+    <_activity xmlns="9162bd5b-4ed9-4da3-b376-05204580ba3f" xsi:nil="true"/>
+  </documentManagement>
+</p:properties>
+</file>
+
+<file path=customXml/item2.xml><?xml version="1.0" encoding="utf-8"?>
+<?mso-contentType ?>
+<FormTemplates xmlns="http://schemas.microsoft.com/sharepoint/v3/contenttype/forms">
+  <Display>DocumentLibraryForm</Display>
+  <Edit>DocumentLibraryForm</Edit>
+  <New>DocumentLibraryForm</New>
+</FormTemplates>
+</file>
+
+<file path=customXml/item3.xml><?xml version="1.0" encoding="utf-8"?>
 <ct:contentTypeSchema xmlns:ct="http://schemas.microsoft.com/office/2006/metadata/contentType" xmlns:ma="http://schemas.microsoft.com/office/2006/metadata/properties/metaAttributes" ct:_="" ma:_="" ma:contentTypeName="Document" ma:contentTypeID="0x0101000F1872188ABCFC48BECA6C87E8AC3285" ma:contentTypeVersion="17" ma:contentTypeDescription="Create a new document." ma:contentTypeScope="" ma:versionID="55a158675e089c6a85ab0f83b89e1a15">
   <xsd:schema xmlns:xsd="http://www.w3.org/2001/XMLSchema" xmlns:xs="http://www.w3.org/2001/XMLSchema" xmlns:p="http://schemas.microsoft.com/office/2006/metadata/properties" xmlns:ns3="9162bd5b-4ed9-4da3-b376-05204580ba3f" xmlns:ns4="c0fa2617-96bd-425d-8578-e93563fe37c5" targetNamespace="http://schemas.microsoft.com/office/2006/metadata/properties" ma:root="true" ma:fieldsID="b35f082308864fa161c4a0a9eca35eff" ns3:_="" ns4:_="">
     <xsd:import namespace="9162bd5b-4ed9-4da3-b376-05204580ba3f"/>
@@ -7012,25 +7054,32 @@
 </ct:contentTypeSchema>
 </file>
 
-<file path=customXml/item2.xml><?xml version="1.0" encoding="utf-8"?>
-<?mso-contentType ?>
-<FormTemplates xmlns="http://schemas.microsoft.com/sharepoint/v3/contenttype/forms">
-  <Display>DocumentLibraryForm</Display>
-  <Edit>DocumentLibraryForm</Edit>
-  <New>DocumentLibraryForm</New>
-</FormTemplates>
+<file path=customXml/itemProps1.xml><?xml version="1.0" encoding="utf-8"?>
+<ds:datastoreItem xmlns:ds="http://schemas.openxmlformats.org/officeDocument/2006/customXml" ds:itemID="{8D289AE2-D2AE-49D1-AFAC-3A79F6794255}">
+  <ds:schemaRefs>
+    <ds:schemaRef ds:uri="9162bd5b-4ed9-4da3-b376-05204580ba3f"/>
+    <ds:schemaRef ds:uri="c0fa2617-96bd-425d-8578-e93563fe37c5"/>
+    <ds:schemaRef ds:uri="http://purl.org/dc/dcmitype/"/>
+    <ds:schemaRef ds:uri="http://purl.org/dc/elements/1.1/"/>
+    <ds:schemaRef ds:uri="http://purl.org/dc/terms/"/>
+    <ds:schemaRef ds:uri="http://schemas.microsoft.com/office/2006/documentManagement/types"/>
+    <ds:schemaRef ds:uri="http://schemas.microsoft.com/office/2006/metadata/properties"/>
+    <ds:schemaRef ds:uri="http://schemas.microsoft.com/office/infopath/2007/PartnerControls"/>
+    <ds:schemaRef ds:uri="http://schemas.openxmlformats.org/package/2006/metadata/core-properties"/>
+    <ds:schemaRef ds:uri="http://www.w3.org/XML/1998/namespace"/>
+  </ds:schemaRefs>
+</ds:datastoreItem>
 </file>
 
-<file path=customXml/item3.xml><?xml version="1.0" encoding="utf-8"?>
-<p:properties xmlns:p="http://schemas.microsoft.com/office/2006/metadata/properties" xmlns:xsi="http://www.w3.org/2001/XMLSchema-instance" xmlns:pc="http://schemas.microsoft.com/office/infopath/2007/PartnerControls">
-  <documentManagement>
-    <MediaServiceKeyPoints xmlns="9162bd5b-4ed9-4da3-b376-05204580ba3f" xsi:nil="true"/>
-    <_activity xmlns="9162bd5b-4ed9-4da3-b376-05204580ba3f" xsi:nil="true"/>
-  </documentManagement>
-</p:properties>
+<file path=customXml/itemProps2.xml><?xml version="1.0" encoding="utf-8"?>
+<ds:datastoreItem xmlns:ds="http://schemas.openxmlformats.org/officeDocument/2006/customXml" ds:itemID="{927BD4C1-B6B1-4715-ABF9-E660A51A4EA0}">
+  <ds:schemaRefs>
+    <ds:schemaRef ds:uri="http://schemas.microsoft.com/sharepoint/v3/contenttype/forms"/>
+  </ds:schemaRefs>
+</ds:datastoreItem>
 </file>
 
-<file path=customXml/itemProps1.xml><?xml version="1.0" encoding="utf-8"?>
+<file path=customXml/itemProps3.xml><?xml version="1.0" encoding="utf-8"?>
 <ds:datastoreItem xmlns:ds="http://schemas.openxmlformats.org/officeDocument/2006/customXml" ds:itemID="{6E816721-11E4-4989-8472-AB5A7EC20404}">
   <ds:schemaRefs>
     <ds:schemaRef ds:uri="9162bd5b-4ed9-4da3-b376-05204580ba3f"/>
@@ -7047,29 +7096,4 @@
     <ds:schemaRef ds:uri="http://www.w3.org/2001/XMLSchema"/>
   </ds:schemaRefs>
 </ds:datastoreItem>
-</file>
-
-<file path=customXml/itemProps2.xml><?xml version="1.0" encoding="utf-8"?>
-<ds:datastoreItem xmlns:ds="http://schemas.openxmlformats.org/officeDocument/2006/customXml" ds:itemID="{927BD4C1-B6B1-4715-ABF9-E660A51A4EA0}">
-  <ds:schemaRefs>
-    <ds:schemaRef ds:uri="http://schemas.microsoft.com/sharepoint/v3/contenttype/forms"/>
-  </ds:schemaRefs>
-</ds:datastoreItem>
-</file>
-
-<file path=customXml/itemProps3.xml><?xml version="1.0" encoding="utf-8"?>
-<ds:datastoreItem xmlns:ds="http://schemas.openxmlformats.org/officeDocument/2006/customXml" ds:itemID="{8D289AE2-D2AE-49D1-AFAC-3A79F6794255}">
-  <ds:schemaRefs>
-    <ds:schemaRef ds:uri="9162bd5b-4ed9-4da3-b376-05204580ba3f"/>
-    <ds:schemaRef ds:uri="c0fa2617-96bd-425d-8578-e93563fe37c5"/>
-    <ds:schemaRef ds:uri="http://purl.org/dc/dcmitype/"/>
-    <ds:schemaRef ds:uri="http://purl.org/dc/elements/1.1/"/>
-    <ds:schemaRef ds:uri="http://purl.org/dc/terms/"/>
-    <ds:schemaRef ds:uri="http://schemas.microsoft.com/office/2006/documentManagement/types"/>
-    <ds:schemaRef ds:uri="http://schemas.microsoft.com/office/2006/metadata/properties"/>
-    <ds:schemaRef ds:uri="http://schemas.microsoft.com/office/infopath/2007/PartnerControls"/>
-    <ds:schemaRef ds:uri="http://schemas.openxmlformats.org/package/2006/metadata/core-properties"/>
-    <ds:schemaRef ds:uri="http://www.w3.org/XML/1998/namespace"/>
-  </ds:schemaRefs>
-</ds:datastoreItem>
 </file>